--- a/media/smartphone-template.pptx
+++ b/media/smartphone-template.pptx
@@ -238,7 +238,7 @@
           <a:p>
             <a:fld id="{D6BD5611-5B91-4FCE-AD74-34BCAD2550AE}" type="datetimeFigureOut">
               <a:rPr lang="de-DE" smtClean="0"/>
-              <a:t>04.02.2017</a:t>
+              <a:t>09.02.2017</a:t>
             </a:fld>
             <a:endParaRPr lang="de-DE"/>
           </a:p>
@@ -280,7 +280,7 @@
           <a:p>
             <a:fld id="{2345BB5D-879D-4BC5-89E8-874A9C60EFD4}" type="slidenum">
               <a:rPr lang="de-DE" smtClean="0"/>
-              <a:t>‹Nr.›</a:t>
+              <a:t>‹#›</a:t>
             </a:fld>
             <a:endParaRPr lang="de-DE"/>
           </a:p>
@@ -408,7 +408,7 @@
           <a:p>
             <a:fld id="{D6BD5611-5B91-4FCE-AD74-34BCAD2550AE}" type="datetimeFigureOut">
               <a:rPr lang="de-DE" smtClean="0"/>
-              <a:t>04.02.2017</a:t>
+              <a:t>09.02.2017</a:t>
             </a:fld>
             <a:endParaRPr lang="de-DE"/>
           </a:p>
@@ -450,7 +450,7 @@
           <a:p>
             <a:fld id="{2345BB5D-879D-4BC5-89E8-874A9C60EFD4}" type="slidenum">
               <a:rPr lang="de-DE" smtClean="0"/>
-              <a:t>‹Nr.›</a:t>
+              <a:t>‹#›</a:t>
             </a:fld>
             <a:endParaRPr lang="de-DE"/>
           </a:p>
@@ -588,7 +588,7 @@
           <a:p>
             <a:fld id="{D6BD5611-5B91-4FCE-AD74-34BCAD2550AE}" type="datetimeFigureOut">
               <a:rPr lang="de-DE" smtClean="0"/>
-              <a:t>04.02.2017</a:t>
+              <a:t>09.02.2017</a:t>
             </a:fld>
             <a:endParaRPr lang="de-DE"/>
           </a:p>
@@ -630,7 +630,7 @@
           <a:p>
             <a:fld id="{2345BB5D-879D-4BC5-89E8-874A9C60EFD4}" type="slidenum">
               <a:rPr lang="de-DE" smtClean="0"/>
-              <a:t>‹Nr.›</a:t>
+              <a:t>‹#›</a:t>
             </a:fld>
             <a:endParaRPr lang="de-DE"/>
           </a:p>
@@ -758,7 +758,7 @@
           <a:p>
             <a:fld id="{D6BD5611-5B91-4FCE-AD74-34BCAD2550AE}" type="datetimeFigureOut">
               <a:rPr lang="de-DE" smtClean="0"/>
-              <a:t>04.02.2017</a:t>
+              <a:t>09.02.2017</a:t>
             </a:fld>
             <a:endParaRPr lang="de-DE"/>
           </a:p>
@@ -800,7 +800,7 @@
           <a:p>
             <a:fld id="{2345BB5D-879D-4BC5-89E8-874A9C60EFD4}" type="slidenum">
               <a:rPr lang="de-DE" smtClean="0"/>
-              <a:t>‹Nr.›</a:t>
+              <a:t>‹#›</a:t>
             </a:fld>
             <a:endParaRPr lang="de-DE"/>
           </a:p>
@@ -1002,7 +1002,7 @@
           <a:p>
             <a:fld id="{D6BD5611-5B91-4FCE-AD74-34BCAD2550AE}" type="datetimeFigureOut">
               <a:rPr lang="de-DE" smtClean="0"/>
-              <a:t>04.02.2017</a:t>
+              <a:t>09.02.2017</a:t>
             </a:fld>
             <a:endParaRPr lang="de-DE"/>
           </a:p>
@@ -1044,7 +1044,7 @@
           <a:p>
             <a:fld id="{2345BB5D-879D-4BC5-89E8-874A9C60EFD4}" type="slidenum">
               <a:rPr lang="de-DE" smtClean="0"/>
-              <a:t>‹Nr.›</a:t>
+              <a:t>‹#›</a:t>
             </a:fld>
             <a:endParaRPr lang="de-DE"/>
           </a:p>
@@ -1234,7 +1234,7 @@
           <a:p>
             <a:fld id="{D6BD5611-5B91-4FCE-AD74-34BCAD2550AE}" type="datetimeFigureOut">
               <a:rPr lang="de-DE" smtClean="0"/>
-              <a:t>04.02.2017</a:t>
+              <a:t>09.02.2017</a:t>
             </a:fld>
             <a:endParaRPr lang="de-DE"/>
           </a:p>
@@ -1276,7 +1276,7 @@
           <a:p>
             <a:fld id="{2345BB5D-879D-4BC5-89E8-874A9C60EFD4}" type="slidenum">
               <a:rPr lang="de-DE" smtClean="0"/>
-              <a:t>‹Nr.›</a:t>
+              <a:t>‹#›</a:t>
             </a:fld>
             <a:endParaRPr lang="de-DE"/>
           </a:p>
@@ -1601,7 +1601,7 @@
           <a:p>
             <a:fld id="{D6BD5611-5B91-4FCE-AD74-34BCAD2550AE}" type="datetimeFigureOut">
               <a:rPr lang="de-DE" smtClean="0"/>
-              <a:t>04.02.2017</a:t>
+              <a:t>09.02.2017</a:t>
             </a:fld>
             <a:endParaRPr lang="de-DE"/>
           </a:p>
@@ -1643,7 +1643,7 @@
           <a:p>
             <a:fld id="{2345BB5D-879D-4BC5-89E8-874A9C60EFD4}" type="slidenum">
               <a:rPr lang="de-DE" smtClean="0"/>
-              <a:t>‹Nr.›</a:t>
+              <a:t>‹#›</a:t>
             </a:fld>
             <a:endParaRPr lang="de-DE"/>
           </a:p>
@@ -1719,7 +1719,7 @@
           <a:p>
             <a:fld id="{D6BD5611-5B91-4FCE-AD74-34BCAD2550AE}" type="datetimeFigureOut">
               <a:rPr lang="de-DE" smtClean="0"/>
-              <a:t>04.02.2017</a:t>
+              <a:t>09.02.2017</a:t>
             </a:fld>
             <a:endParaRPr lang="de-DE"/>
           </a:p>
@@ -1761,7 +1761,7 @@
           <a:p>
             <a:fld id="{2345BB5D-879D-4BC5-89E8-874A9C60EFD4}" type="slidenum">
               <a:rPr lang="de-DE" smtClean="0"/>
-              <a:t>‹Nr.›</a:t>
+              <a:t>‹#›</a:t>
             </a:fld>
             <a:endParaRPr lang="de-DE"/>
           </a:p>
@@ -1814,7 +1814,7 @@
           <a:p>
             <a:fld id="{D6BD5611-5B91-4FCE-AD74-34BCAD2550AE}" type="datetimeFigureOut">
               <a:rPr lang="de-DE" smtClean="0"/>
-              <a:t>04.02.2017</a:t>
+              <a:t>09.02.2017</a:t>
             </a:fld>
             <a:endParaRPr lang="de-DE"/>
           </a:p>
@@ -1856,7 +1856,7 @@
           <a:p>
             <a:fld id="{2345BB5D-879D-4BC5-89E8-874A9C60EFD4}" type="slidenum">
               <a:rPr lang="de-DE" smtClean="0"/>
-              <a:t>‹Nr.›</a:t>
+              <a:t>‹#›</a:t>
             </a:fld>
             <a:endParaRPr lang="de-DE"/>
           </a:p>
@@ -2091,7 +2091,7 @@
           <a:p>
             <a:fld id="{D6BD5611-5B91-4FCE-AD74-34BCAD2550AE}" type="datetimeFigureOut">
               <a:rPr lang="de-DE" smtClean="0"/>
-              <a:t>04.02.2017</a:t>
+              <a:t>09.02.2017</a:t>
             </a:fld>
             <a:endParaRPr lang="de-DE"/>
           </a:p>
@@ -2133,7 +2133,7 @@
           <a:p>
             <a:fld id="{2345BB5D-879D-4BC5-89E8-874A9C60EFD4}" type="slidenum">
               <a:rPr lang="de-DE" smtClean="0"/>
-              <a:t>‹Nr.›</a:t>
+              <a:t>‹#›</a:t>
             </a:fld>
             <a:endParaRPr lang="de-DE"/>
           </a:p>
@@ -2348,7 +2348,7 @@
           <a:p>
             <a:fld id="{D6BD5611-5B91-4FCE-AD74-34BCAD2550AE}" type="datetimeFigureOut">
               <a:rPr lang="de-DE" smtClean="0"/>
-              <a:t>04.02.2017</a:t>
+              <a:t>09.02.2017</a:t>
             </a:fld>
             <a:endParaRPr lang="de-DE"/>
           </a:p>
@@ -2390,7 +2390,7 @@
           <a:p>
             <a:fld id="{2345BB5D-879D-4BC5-89E8-874A9C60EFD4}" type="slidenum">
               <a:rPr lang="de-DE" smtClean="0"/>
-              <a:t>‹Nr.›</a:t>
+              <a:t>‹#›</a:t>
             </a:fld>
             <a:endParaRPr lang="de-DE"/>
           </a:p>
@@ -2561,7 +2561,7 @@
           <a:p>
             <a:fld id="{D6BD5611-5B91-4FCE-AD74-34BCAD2550AE}" type="datetimeFigureOut">
               <a:rPr lang="de-DE" smtClean="0"/>
-              <a:t>04.02.2017</a:t>
+              <a:t>09.02.2017</a:t>
             </a:fld>
             <a:endParaRPr lang="de-DE"/>
           </a:p>
@@ -2639,7 +2639,7 @@
           <a:p>
             <a:fld id="{2345BB5D-879D-4BC5-89E8-874A9C60EFD4}" type="slidenum">
               <a:rPr lang="de-DE" smtClean="0"/>
-              <a:t>‹Nr.›</a:t>
+              <a:t>‹#›</a:t>
             </a:fld>
             <a:endParaRPr lang="de-DE"/>
           </a:p>
@@ -2974,7 +2974,7 @@
         </p:nvGrpSpPr>
         <p:grpSpPr>
           <a:xfrm>
-            <a:off x="272354" y="5660275"/>
+            <a:off x="243326" y="5660275"/>
             <a:ext cx="7087427" cy="4289796"/>
             <a:chOff x="1250212" y="492649"/>
             <a:chExt cx="7087427" cy="4289796"/>
@@ -3862,7 +3862,7 @@
         </p:nvGrpSpPr>
         <p:grpSpPr>
           <a:xfrm>
-            <a:off x="272354" y="1072654"/>
+            <a:off x="243326" y="1072654"/>
             <a:ext cx="7087427" cy="4289796"/>
             <a:chOff x="1250212" y="492649"/>
             <a:chExt cx="7087427" cy="4289796"/>
@@ -4750,7 +4750,7 @@
         </p:nvSpPr>
         <p:spPr>
           <a:xfrm>
-            <a:off x="1490078" y="267606"/>
+            <a:off x="1461050" y="267606"/>
             <a:ext cx="5273579" cy="523220"/>
           </a:xfrm>
           <a:prstGeom prst="rect">
@@ -4781,7 +4781,7 @@
         </p:nvSpPr>
         <p:spPr>
           <a:xfrm>
-            <a:off x="1" y="10204354"/>
+            <a:off x="-29027" y="10204354"/>
             <a:ext cx="7559674" cy="307777"/>
           </a:xfrm>
           <a:prstGeom prst="rect">
@@ -4826,7 +4826,7 @@
         </p:blipFill>
         <p:spPr>
           <a:xfrm>
-            <a:off x="933333" y="314433"/>
+            <a:off x="904305" y="314433"/>
             <a:ext cx="425282" cy="425282"/>
           </a:xfrm>
           <a:prstGeom prst="rect">
@@ -4844,6 +4844,13 @@
   <p:clrMapOvr>
     <a:masterClrMapping/>
   </p:clrMapOvr>
+  <p:timing>
+    <p:tnLst>
+      <p:par>
+        <p:cTn id="1" dur="indefinite" restart="never" nodeType="tmRoot"/>
+      </p:par>
+    </p:tnLst>
+  </p:timing>
 </p:sld>
 </file>
 
@@ -5102,7 +5109,7 @@
   <a:extraClrSchemeLst/>
   <a:extLst>
     <a:ext uri="{05A4C25C-085E-4340-85A3-A5531E510DB2}">
-      <thm15:themeFamily xmlns:thm15="http://schemas.microsoft.com/office/thememl/2012/main" name="Office Theme" id="{62F939B6-93AF-4DB8-9C6B-D6C7DFDC589F}" vid="{4A3C46E8-61CC-4603-A589-7422A47A8E4A}"/>
+      <thm15:themeFamily xmlns:thm15="http://schemas.microsoft.com/office/thememl/2012/main" xmlns="" name="Office Theme" id="{62F939B6-93AF-4DB8-9C6B-D6C7DFDC589F}" vid="{4A3C46E8-61CC-4603-A589-7422A47A8E4A}"/>
     </a:ext>
   </a:extLst>
 </a:theme>
